--- a/archive/2022年度　統計学関連/01_オリエンテーション/統計学_01.pptx
+++ b/archive/2022年度　統計学関連/01_オリエンテーション/統計学_01.pptx
@@ -211,7 +211,7 @@
           <a:p>
             <a:fld id="{1895A64F-7672-4A38-B12D-41B8FA3C90DE}" type="datetimeFigureOut">
               <a:rPr kumimoji="1" lang="ja-JP" altLang="en-US" smtClean="0"/>
-              <a:t>2022/9/25</a:t>
+              <a:t>2023/8/21</a:t>
             </a:fld>
             <a:endParaRPr kumimoji="1" lang="ja-JP" altLang="en-US"/>
           </a:p>
@@ -4114,7 +4114,7 @@
             <p:ph idx="1"/>
             <p:extLst>
               <p:ext uri="{D42A27DB-BD31-4B8C-83A1-F6EECF244321}">
-                <p14:modId xmlns:p14="http://schemas.microsoft.com/office/powerpoint/2010/main" val="2745970102"/>
+                <p14:modId xmlns:p14="http://schemas.microsoft.com/office/powerpoint/2010/main" val="1989242439"/>
               </p:ext>
             </p:extLst>
           </p:nvPr>
@@ -4165,14 +4165,14 @@
                     </a:ext>
                   </a:extLst>
                 </a:gridCol>
-                <a:gridCol w="767080">
+                <a:gridCol w="824374">
                   <a:extLst>
                     <a:ext uri="{9D8B030D-6E8A-4147-A177-3AD203B41FA5}">
                       <a16:colId xmlns:a16="http://schemas.microsoft.com/office/drawing/2014/main" val="2190080578"/>
                     </a:ext>
                   </a:extLst>
                 </a:gridCol>
-                <a:gridCol w="2081530">
+                <a:gridCol w="2024236">
                   <a:extLst>
                     <a:ext uri="{9D8B030D-6E8A-4147-A177-3AD203B41FA5}">
                       <a16:colId xmlns:a16="http://schemas.microsoft.com/office/drawing/2014/main" val="3271046056"/>
